--- a/Deliverables/Poster/CS230_FinalPoster.pptx
+++ b/Deliverables/Poster/CS230_FinalPoster.pptx
@@ -172,9 +172,6 @@
 <pc:chgInfo xmlns:a="http://schemas.openxmlformats.org/drawingml/2006/main" xmlns:r="http://schemas.openxmlformats.org/officeDocument/2006/relationships" xmlns:ac="http://schemas.microsoft.com/office/drawing/2013/main/command" xmlns:pc="http://schemas.microsoft.com/office/powerpoint/2013/main/command">
   <pc:docChgLst>
     <pc:chgData name="Lloyd Maza" userId="5cfd7a001bc0d1c4" providerId="LiveId" clId="{8A4B9DA1-AA44-4226-A7C5-62EEAB57F517}"/>
-  </pc:docChgLst>
-  <pc:docChgLst>
-    <pc:chgData name="Lloyd Maza" userId="5cfd7a001bc0d1c4" providerId="LiveId" clId="{D0654E81-D7CE-44BF-B3CA-194307712AF1}"/>
   </pc:docChgLst>
   <pc:docChgLst>
     <pc:chgData name="Lloyd Maza" userId="5cfd7a001bc0d1c4" providerId="LiveId" clId="{3707A5C7-D8B1-446A-9379-266EACCE2F9C}"/>
@@ -408,6 +405,9 @@
       </pc:sldChg>
     </pc:docChg>
   </pc:docChgLst>
+  <pc:docChgLst>
+    <pc:chgData name="Lloyd Maza" userId="5cfd7a001bc0d1c4" providerId="LiveId" clId="{D0654E81-D7CE-44BF-B3CA-194307712AF1}"/>
+  </pc:docChgLst>
 </pc:chgInfo>
 </file>
 
@@ -531,7 +531,7 @@
               <a:pPr>
                 <a:defRPr/>
               </a:pPr>
-              <a:t>2018/3/14</a:t>
+              <a:t>2018/3/15</a:t>
             </a:fld>
             <a:endParaRPr lang="zh-TW" altLang="en-US"/>
           </a:p>
@@ -1373,7 +1373,7 @@
               <a:pPr>
                 <a:defRPr/>
               </a:pPr>
-              <a:t>2018/3/14</a:t>
+              <a:t>2018/3/15</a:t>
             </a:fld>
             <a:endParaRPr lang="zh-TW" altLang="en-US"/>
           </a:p>
@@ -1588,7 +1588,7 @@
               <a:pPr>
                 <a:defRPr/>
               </a:pPr>
-              <a:t>2018/3/14</a:t>
+              <a:t>2018/3/15</a:t>
             </a:fld>
             <a:endParaRPr lang="zh-TW" altLang="en-US"/>
           </a:p>
@@ -1813,7 +1813,7 @@
               <a:pPr>
                 <a:defRPr/>
               </a:pPr>
-              <a:t>2018/3/14</a:t>
+              <a:t>2018/3/15</a:t>
             </a:fld>
             <a:endParaRPr lang="zh-TW" altLang="en-US"/>
           </a:p>
@@ -2028,7 +2028,7 @@
               <a:pPr>
                 <a:defRPr/>
               </a:pPr>
-              <a:t>2018/3/14</a:t>
+              <a:t>2018/3/15</a:t>
             </a:fld>
             <a:endParaRPr lang="zh-TW" altLang="en-US"/>
           </a:p>
@@ -2319,7 +2319,7 @@
               <a:pPr>
                 <a:defRPr/>
               </a:pPr>
-              <a:t>2018/3/14</a:t>
+              <a:t>2018/3/15</a:t>
             </a:fld>
             <a:endParaRPr lang="zh-TW" altLang="en-US"/>
           </a:p>
@@ -2652,7 +2652,7 @@
               <a:pPr>
                 <a:defRPr/>
               </a:pPr>
-              <a:t>2018/3/14</a:t>
+              <a:t>2018/3/15</a:t>
             </a:fld>
             <a:endParaRPr lang="zh-TW" altLang="en-US"/>
           </a:p>
@@ -3119,7 +3119,7 @@
               <a:pPr>
                 <a:defRPr/>
               </a:pPr>
-              <a:t>2018/3/14</a:t>
+              <a:t>2018/3/15</a:t>
             </a:fld>
             <a:endParaRPr lang="zh-TW" altLang="en-US"/>
           </a:p>
@@ -3282,7 +3282,7 @@
               <a:pPr>
                 <a:defRPr/>
               </a:pPr>
-              <a:t>2018/3/14</a:t>
+              <a:t>2018/3/15</a:t>
             </a:fld>
             <a:endParaRPr lang="zh-TW" altLang="en-US"/>
           </a:p>
@@ -3422,7 +3422,7 @@
               <a:pPr>
                 <a:defRPr/>
               </a:pPr>
-              <a:t>2018/3/14</a:t>
+              <a:t>2018/3/15</a:t>
             </a:fld>
             <a:endParaRPr lang="zh-TW" altLang="en-US"/>
           </a:p>
@@ -3744,7 +3744,7 @@
               <a:pPr>
                 <a:defRPr/>
               </a:pPr>
-              <a:t>2018/3/14</a:t>
+              <a:t>2018/3/15</a:t>
             </a:fld>
             <a:endParaRPr lang="zh-TW" altLang="en-US"/>
           </a:p>
@@ -4045,7 +4045,7 @@
               <a:pPr>
                 <a:defRPr/>
               </a:pPr>
-              <a:t>2018/3/14</a:t>
+              <a:t>2018/3/15</a:t>
             </a:fld>
             <a:endParaRPr lang="zh-TW" altLang="en-US"/>
           </a:p>
@@ -4369,7 +4369,7 @@
               <a:pPr>
                 <a:defRPr/>
               </a:pPr>
-              <a:t>2018/3/14</a:t>
+              <a:t>2018/3/15</a:t>
             </a:fld>
             <a:endParaRPr lang="zh-TW" altLang="en-US"/>
           </a:p>
@@ -7817,6 +7817,490 @@
           </p:txBody>
         </p:sp>
       </p:grpSp>
+      <p:pic>
+        <p:nvPicPr>
+          <p:cNvPr id="18" name="Picture 17">
+            <a:extLst>
+              <a:ext uri="{FF2B5EF4-FFF2-40B4-BE49-F238E27FC236}">
+                <a16:creationId xmlns:a16="http://schemas.microsoft.com/office/drawing/2014/main" id="{93016A90-E456-47A1-B035-2114C372BFC3}"/>
+              </a:ext>
+            </a:extLst>
+          </p:cNvPr>
+          <p:cNvPicPr>
+            <a:picLocks noChangeAspect="1"/>
+          </p:cNvPicPr>
+          <p:nvPr/>
+        </p:nvPicPr>
+        <p:blipFill rotWithShape="1">
+          <a:blip r:embed="rId17">
+            <a:extLst>
+              <a:ext uri="{BEBA8EAE-BF5A-486C-A8C5-ECC9F3942E4B}">
+                <a14:imgProps xmlns:a14="http://schemas.microsoft.com/office/drawing/2010/main">
+                  <a14:imgLayer r:embed="rId18">
+                    <a14:imgEffect>
+                      <a14:sharpenSoften amount="50000"/>
+                    </a14:imgEffect>
+                  </a14:imgLayer>
+                </a14:imgProps>
+              </a:ext>
+              <a:ext uri="{28A0092B-C50C-407E-A947-70E740481C1C}">
+                <a14:useLocalDpi xmlns:a14="http://schemas.microsoft.com/office/drawing/2010/main" val="0"/>
+              </a:ext>
+            </a:extLst>
+          </a:blip>
+          <a:srcRect t="1565"/>
+          <a:stretch/>
+        </p:blipFill>
+        <p:spPr>
+          <a:xfrm>
+            <a:off x="13106400" y="10969690"/>
+            <a:ext cx="2970931" cy="10366310"/>
+          </a:xfrm>
+          <a:prstGeom prst="rect">
+            <a:avLst/>
+          </a:prstGeom>
+        </p:spPr>
+      </p:pic>
+      <mc:AlternateContent xmlns:mc="http://schemas.openxmlformats.org/markup-compatibility/2006">
+        <mc:Choice xmlns:a14="http://schemas.microsoft.com/office/drawing/2010/main" Requires="a14">
+          <p:sp>
+            <p:nvSpPr>
+              <p:cNvPr id="59" name="TextBox 58">
+                <a:extLst>
+                  <a:ext uri="{FF2B5EF4-FFF2-40B4-BE49-F238E27FC236}">
+                    <a16:creationId xmlns:a16="http://schemas.microsoft.com/office/drawing/2014/main" id="{61FD0C21-90C6-43EC-A5D2-AB67FEA2CAD6}"/>
+                  </a:ext>
+                </a:extLst>
+              </p:cNvPr>
+              <p:cNvSpPr txBox="1"/>
+              <p:nvPr/>
+            </p:nvSpPr>
+            <p:spPr>
+              <a:xfrm>
+                <a:off x="7467600" y="11074242"/>
+                <a:ext cx="5715000" cy="9501062"/>
+              </a:xfrm>
+              <a:prstGeom prst="rect">
+                <a:avLst/>
+              </a:prstGeom>
+              <a:noFill/>
+            </p:spPr>
+            <p:txBody>
+              <a:bodyPr wrap="square" rtlCol="0">
+                <a:spAutoFit/>
+              </a:bodyPr>
+              <a:lstStyle/>
+              <a:p>
+                <a:r>
+                  <a:rPr lang="en-US" sz="2800" b="1" u="sng" dirty="0"/>
+                  <a:t>Neural Network Parameters</a:t>
+                </a:r>
+                <a:r>
+                  <a:rPr lang="en-US" sz="2800" b="1" dirty="0"/>
+                  <a:t>:</a:t>
+                </a:r>
+              </a:p>
+              <a:p>
+                <a:endParaRPr lang="en-US" sz="2800" b="1" dirty="0"/>
+              </a:p>
+              <a:p>
+                <a:pPr marL="457200" indent="-457200">
+                  <a:buFont typeface="Arial" panose="020B0604020202020204" pitchFamily="34" charset="0"/>
+                  <a:buChar char="•"/>
+                </a:pPr>
+                <a:r>
+                  <a:rPr lang="en-US" sz="2800" dirty="0"/>
+                  <a:t>7 FC layers with ReLu activations</a:t>
+                </a:r>
+              </a:p>
+              <a:p>
+                <a:endParaRPr lang="en-US" sz="2800" dirty="0"/>
+              </a:p>
+              <a:p>
+                <a:pPr marL="457200" indent="-457200">
+                  <a:buFont typeface="Arial" panose="020B0604020202020204" pitchFamily="34" charset="0"/>
+                  <a:buChar char="•"/>
+                </a:pPr>
+                <a:r>
+                  <a:rPr lang="en-US" sz="2800" dirty="0"/>
+                  <a:t>Softmax output with 17 classes</a:t>
+                </a:r>
+              </a:p>
+              <a:p>
+                <a:endParaRPr lang="en-US" sz="2800" dirty="0"/>
+              </a:p>
+              <a:p>
+                <a:pPr marL="457200" indent="-457200">
+                  <a:buFont typeface="Arial" panose="020B0604020202020204" pitchFamily="34" charset="0"/>
+                  <a:buChar char="•"/>
+                </a:pPr>
+                <a:r>
+                  <a:rPr lang="en-US" sz="2800" dirty="0"/>
+                  <a:t>Run for 25 epochs</a:t>
+                </a:r>
+              </a:p>
+              <a:p>
+                <a:endParaRPr lang="en-US" sz="2800" dirty="0"/>
+              </a:p>
+              <a:p>
+                <a:pPr marL="457200" indent="-457200">
+                  <a:buFont typeface="Arial" panose="020B0604020202020204" pitchFamily="34" charset="0"/>
+                  <a:buChar char="•"/>
+                </a:pPr>
+                <a:r>
+                  <a:rPr lang="en-US" sz="2800" dirty="0"/>
+                  <a:t>Mini-Batch Size of 32</a:t>
+                </a:r>
+              </a:p>
+              <a:p>
+                <a:endParaRPr lang="en-US" sz="2800" dirty="0"/>
+              </a:p>
+              <a:p>
+                <a:pPr marL="457200" indent="-457200">
+                  <a:buFont typeface="Arial" panose="020B0604020202020204" pitchFamily="34" charset="0"/>
+                  <a:buChar char="•"/>
+                </a:pPr>
+                <a:r>
+                  <a:rPr lang="en-US" sz="2800" dirty="0"/>
+                  <a:t>Early Stopping with             </a:t>
+                </a:r>
+                <a14:m>
+                  <m:oMath xmlns:m="http://schemas.openxmlformats.org/officeDocument/2006/math">
+                    <m:sSub>
+                      <m:sSubPr>
+                        <m:ctrlPr>
+                          <a:rPr lang="en-US" sz="2800" i="1">
+                            <a:latin typeface="Cambria Math" panose="02040503050406030204" pitchFamily="18" charset="0"/>
+                            <a:ea typeface="Cambria Math" panose="02040503050406030204" pitchFamily="18" charset="0"/>
+                          </a:rPr>
+                        </m:ctrlPr>
+                      </m:sSubPr>
+                      <m:e>
+                        <m:r>
+                          <a:rPr lang="en-US" sz="2800" i="1">
+                            <a:latin typeface="Cambria Math" panose="02040503050406030204" pitchFamily="18" charset="0"/>
+                            <a:ea typeface="Cambria Math" panose="02040503050406030204" pitchFamily="18" charset="0"/>
+                          </a:rPr>
+                          <m:t>𝛿</m:t>
+                        </m:r>
+                      </m:e>
+                      <m:sub>
+                        <m:r>
+                          <a:rPr lang="en-US" sz="2800" i="1">
+                            <a:latin typeface="Cambria Math" panose="02040503050406030204" pitchFamily="18" charset="0"/>
+                            <a:ea typeface="Cambria Math" panose="02040503050406030204" pitchFamily="18" charset="0"/>
+                          </a:rPr>
+                          <m:t>𝑚𝑖𝑛</m:t>
+                        </m:r>
+                      </m:sub>
+                    </m:sSub>
+                    <m:r>
+                      <a:rPr lang="en-US" sz="2800" i="1">
+                        <a:latin typeface="Cambria Math" panose="02040503050406030204" pitchFamily="18" charset="0"/>
+                        <a:ea typeface="Cambria Math" panose="02040503050406030204" pitchFamily="18" charset="0"/>
+                      </a:rPr>
+                      <m:t>=0, </m:t>
+                    </m:r>
+                    <m:r>
+                      <a:rPr lang="en-US" sz="2800" b="0" i="1" smtClean="0">
+                        <a:latin typeface="Cambria Math" panose="02040503050406030204" pitchFamily="18" charset="0"/>
+                        <a:ea typeface="Cambria Math" panose="02040503050406030204" pitchFamily="18" charset="0"/>
+                      </a:rPr>
+                      <m:t> </m:t>
+                    </m:r>
+                    <m:r>
+                      <a:rPr lang="en-US" sz="2800" i="1">
+                        <a:latin typeface="Cambria Math" panose="02040503050406030204" pitchFamily="18" charset="0"/>
+                        <a:ea typeface="Cambria Math" panose="02040503050406030204" pitchFamily="18" charset="0"/>
+                      </a:rPr>
+                      <m:t>𝑝𝑎𝑡𝑖𝑒𝑛𝑐𝑒</m:t>
+                    </m:r>
+                    <m:r>
+                      <a:rPr lang="en-US" sz="2800" i="1">
+                        <a:latin typeface="Cambria Math" panose="02040503050406030204" pitchFamily="18" charset="0"/>
+                        <a:ea typeface="Cambria Math" panose="02040503050406030204" pitchFamily="18" charset="0"/>
+                      </a:rPr>
+                      <m:t>=10</m:t>
+                    </m:r>
+                  </m:oMath>
+                </a14:m>
+                <a:endParaRPr lang="en-US" sz="2800" dirty="0"/>
+              </a:p>
+              <a:p>
+                <a:endParaRPr lang="en-US" sz="2800" dirty="0"/>
+              </a:p>
+              <a:p>
+                <a:pPr marL="457200" indent="-457200">
+                  <a:buFont typeface="Arial" panose="020B0604020202020204" pitchFamily="34" charset="0"/>
+                  <a:buChar char="•"/>
+                </a:pPr>
+                <a:r>
+                  <a:rPr lang="en-US" sz="2800" dirty="0"/>
+                  <a:t>L2 Regularization with </a:t>
+                </a:r>
+                <a14:m>
+                  <m:oMath xmlns:m="http://schemas.openxmlformats.org/officeDocument/2006/math">
+                    <m:r>
+                      <a:rPr lang="en-US" sz="2800" i="1" smtClean="0">
+                        <a:latin typeface="Cambria Math" panose="02040503050406030204" pitchFamily="18" charset="0"/>
+                        <a:ea typeface="Cambria Math" panose="02040503050406030204" pitchFamily="18" charset="0"/>
+                      </a:rPr>
+                      <m:t>𝜆</m:t>
+                    </m:r>
+                    <m:r>
+                      <a:rPr lang="en-US" sz="2800" b="0" i="1" smtClean="0">
+                        <a:latin typeface="Cambria Math" panose="02040503050406030204" pitchFamily="18" charset="0"/>
+                        <a:ea typeface="Cambria Math" panose="02040503050406030204" pitchFamily="18" charset="0"/>
+                      </a:rPr>
+                      <m:t>=0.7</m:t>
+                    </m:r>
+                  </m:oMath>
+                </a14:m>
+                <a:endParaRPr lang="en-US" sz="2800" dirty="0"/>
+              </a:p>
+              <a:p>
+                <a:endParaRPr lang="en-US" sz="2800" dirty="0"/>
+              </a:p>
+              <a:p>
+                <a:pPr marL="457200" indent="-457200">
+                  <a:buFont typeface="Arial" panose="020B0604020202020204" pitchFamily="34" charset="0"/>
+                  <a:buChar char="•"/>
+                </a:pPr>
+                <a:r>
+                  <a:rPr lang="en-US" sz="2800" dirty="0"/>
+                  <a:t>Adam Optimization with         </a:t>
+                </a:r>
+                <a14:m>
+                  <m:oMath xmlns:m="http://schemas.openxmlformats.org/officeDocument/2006/math">
+                    <m:r>
+                      <a:rPr lang="en-US" sz="2600" i="1" smtClean="0">
+                        <a:latin typeface="Cambria Math" panose="02040503050406030204" pitchFamily="18" charset="0"/>
+                        <a:ea typeface="Cambria Math" panose="02040503050406030204" pitchFamily="18" charset="0"/>
+                      </a:rPr>
+                      <m:t>𝛼</m:t>
+                    </m:r>
+                    <m:r>
+                      <a:rPr lang="en-US" sz="2600" i="1">
+                        <a:latin typeface="Cambria Math" panose="02040503050406030204" pitchFamily="18" charset="0"/>
+                        <a:ea typeface="Cambria Math" panose="02040503050406030204" pitchFamily="18" charset="0"/>
+                      </a:rPr>
+                      <m:t>=0.001,</m:t>
+                    </m:r>
+                    <m:r>
+                      <a:rPr lang="en-US" sz="2600" b="0" i="1" smtClean="0">
+                        <a:latin typeface="Cambria Math" panose="02040503050406030204" pitchFamily="18" charset="0"/>
+                        <a:ea typeface="Cambria Math" panose="02040503050406030204" pitchFamily="18" charset="0"/>
+                      </a:rPr>
+                      <m:t>  </m:t>
+                    </m:r>
+                    <m:sSub>
+                      <m:sSubPr>
+                        <m:ctrlPr>
+                          <a:rPr lang="en-US" sz="2600" i="1">
+                            <a:latin typeface="Cambria Math" panose="02040503050406030204" pitchFamily="18" charset="0"/>
+                            <a:ea typeface="Cambria Math" panose="02040503050406030204" pitchFamily="18" charset="0"/>
+                          </a:rPr>
+                        </m:ctrlPr>
+                      </m:sSubPr>
+                      <m:e>
+                        <m:r>
+                          <a:rPr lang="en-US" sz="2600" i="1">
+                            <a:latin typeface="Cambria Math" panose="02040503050406030204" pitchFamily="18" charset="0"/>
+                            <a:ea typeface="Cambria Math" panose="02040503050406030204" pitchFamily="18" charset="0"/>
+                          </a:rPr>
+                          <m:t>𝛽</m:t>
+                        </m:r>
+                      </m:e>
+                      <m:sub>
+                        <m:r>
+                          <a:rPr lang="en-US" sz="2600" i="1">
+                            <a:latin typeface="Cambria Math" panose="02040503050406030204" pitchFamily="18" charset="0"/>
+                            <a:ea typeface="Cambria Math" panose="02040503050406030204" pitchFamily="18" charset="0"/>
+                          </a:rPr>
+                          <m:t>1</m:t>
+                        </m:r>
+                      </m:sub>
+                    </m:sSub>
+                    <m:r>
+                      <a:rPr lang="en-US" sz="2600" i="1">
+                        <a:latin typeface="Cambria Math" panose="02040503050406030204" pitchFamily="18" charset="0"/>
+                        <a:ea typeface="Cambria Math" panose="02040503050406030204" pitchFamily="18" charset="0"/>
+                      </a:rPr>
+                      <m:t>=0.9, </m:t>
+                    </m:r>
+                    <m:r>
+                      <a:rPr lang="en-US" sz="2600" b="0" i="1" smtClean="0">
+                        <a:latin typeface="Cambria Math" panose="02040503050406030204" pitchFamily="18" charset="0"/>
+                        <a:ea typeface="Cambria Math" panose="02040503050406030204" pitchFamily="18" charset="0"/>
+                      </a:rPr>
+                      <m:t> </m:t>
+                    </m:r>
+                    <m:sSub>
+                      <m:sSubPr>
+                        <m:ctrlPr>
+                          <a:rPr lang="en-US" sz="2600" i="1">
+                            <a:latin typeface="Cambria Math" panose="02040503050406030204" pitchFamily="18" charset="0"/>
+                            <a:ea typeface="Cambria Math" panose="02040503050406030204" pitchFamily="18" charset="0"/>
+                          </a:rPr>
+                        </m:ctrlPr>
+                      </m:sSubPr>
+                      <m:e>
+                        <m:r>
+                          <a:rPr lang="en-US" sz="2600" i="1">
+                            <a:latin typeface="Cambria Math" panose="02040503050406030204" pitchFamily="18" charset="0"/>
+                            <a:ea typeface="Cambria Math" panose="02040503050406030204" pitchFamily="18" charset="0"/>
+                          </a:rPr>
+                          <m:t>𝛽</m:t>
+                        </m:r>
+                      </m:e>
+                      <m:sub>
+                        <m:r>
+                          <a:rPr lang="en-US" sz="2600" i="1">
+                            <a:latin typeface="Cambria Math" panose="02040503050406030204" pitchFamily="18" charset="0"/>
+                            <a:ea typeface="Cambria Math" panose="02040503050406030204" pitchFamily="18" charset="0"/>
+                          </a:rPr>
+                          <m:t>2</m:t>
+                        </m:r>
+                      </m:sub>
+                    </m:sSub>
+                    <m:r>
+                      <a:rPr lang="en-US" sz="2600" b="0" i="1" smtClean="0">
+                        <a:latin typeface="Cambria Math" panose="02040503050406030204" pitchFamily="18" charset="0"/>
+                        <a:ea typeface="Cambria Math" panose="02040503050406030204" pitchFamily="18" charset="0"/>
+                      </a:rPr>
+                      <m:t>=</m:t>
+                    </m:r>
+                    <m:r>
+                      <a:rPr lang="en-US" sz="2600" i="1">
+                        <a:latin typeface="Cambria Math" panose="02040503050406030204" pitchFamily="18" charset="0"/>
+                        <a:ea typeface="Cambria Math" panose="02040503050406030204" pitchFamily="18" charset="0"/>
+                      </a:rPr>
+                      <m:t>0.999</m:t>
+                    </m:r>
+                    <m:r>
+                      <a:rPr lang="en-US" sz="2600" b="0" i="1" smtClean="0">
+                        <a:latin typeface="Cambria Math" panose="02040503050406030204" pitchFamily="18" charset="0"/>
+                        <a:ea typeface="Cambria Math" panose="02040503050406030204" pitchFamily="18" charset="0"/>
+                      </a:rPr>
+                      <m:t>,  </m:t>
+                    </m:r>
+                    <m:r>
+                      <a:rPr lang="en-US" sz="2600" i="1">
+                        <a:latin typeface="Cambria Math" panose="02040503050406030204" pitchFamily="18" charset="0"/>
+                        <a:ea typeface="Cambria Math" panose="02040503050406030204" pitchFamily="18" charset="0"/>
+                      </a:rPr>
+                      <m:t>𝑙𝑒𝑎𝑟𝑛𝑖𝑛𝑔</m:t>
+                    </m:r>
+                    <m:r>
+                      <a:rPr lang="en-US" sz="2600" i="1">
+                        <a:latin typeface="Cambria Math" panose="02040503050406030204" pitchFamily="18" charset="0"/>
+                        <a:ea typeface="Cambria Math" panose="02040503050406030204" pitchFamily="18" charset="0"/>
+                      </a:rPr>
+                      <m:t> </m:t>
+                    </m:r>
+                    <m:r>
+                      <a:rPr lang="en-US" sz="2600" b="0" i="1" smtClean="0">
+                        <a:latin typeface="Cambria Math" panose="02040503050406030204" pitchFamily="18" charset="0"/>
+                        <a:ea typeface="Cambria Math" panose="02040503050406030204" pitchFamily="18" charset="0"/>
+                      </a:rPr>
+                      <m:t>𝑑𝑒𝑐𝑎𝑦</m:t>
+                    </m:r>
+                    <m:r>
+                      <a:rPr lang="en-US" sz="2600" i="1">
+                        <a:latin typeface="Cambria Math" panose="02040503050406030204" pitchFamily="18" charset="0"/>
+                        <a:ea typeface="Cambria Math" panose="02040503050406030204" pitchFamily="18" charset="0"/>
+                      </a:rPr>
+                      <m:t>=</m:t>
+                    </m:r>
+                    <m:r>
+                      <a:rPr lang="en-US" sz="2600" i="1">
+                        <a:latin typeface="Cambria Math" panose="02040503050406030204" pitchFamily="18" charset="0"/>
+                        <a:ea typeface="Cambria Math" panose="02040503050406030204" pitchFamily="18" charset="0"/>
+                      </a:rPr>
+                      <m:t>0.00001</m:t>
+                    </m:r>
+                  </m:oMath>
+                </a14:m>
+                <a:endParaRPr lang="en-US" sz="2600" dirty="0"/>
+              </a:p>
+              <a:p>
+                <a:endParaRPr lang="en-US" sz="2800" dirty="0"/>
+              </a:p>
+              <a:p>
+                <a:pPr marL="342900" indent="-342900">
+                  <a:buFont typeface="Arial" panose="020B0604020202020204" pitchFamily="34" charset="0"/>
+                  <a:buChar char="•"/>
+                </a:pPr>
+                <a:r>
+                  <a:rPr lang="en-US" sz="2800" dirty="0"/>
+                  <a:t>Batch Normalization with </a:t>
+                </a:r>
+                <a14:m>
+                  <m:oMath xmlns:m="http://schemas.openxmlformats.org/officeDocument/2006/math">
+                    <m:r>
+                      <a:rPr lang="en-US" sz="2800" b="0" i="1" dirty="0" smtClean="0">
+                        <a:latin typeface="Cambria Math" panose="02040503050406030204" pitchFamily="18" charset="0"/>
+                      </a:rPr>
+                      <m:t>𝑀𝑜𝑚𝑒𝑛𝑡𝑢𝑚</m:t>
+                    </m:r>
+                    <m:r>
+                      <a:rPr lang="en-US" sz="2800" i="1" dirty="0">
+                        <a:latin typeface="Cambria Math" panose="02040503050406030204" pitchFamily="18" charset="0"/>
+                      </a:rPr>
+                      <m:t> = 0.99</m:t>
+                    </m:r>
+                  </m:oMath>
+                </a14:m>
+                <a:endParaRPr lang="en-US" sz="2800" dirty="0"/>
+              </a:p>
+            </p:txBody>
+          </p:sp>
+        </mc:Choice>
+        <mc:Fallback>
+          <p:sp>
+            <p:nvSpPr>
+              <p:cNvPr id="59" name="TextBox 58">
+                <a:extLst>
+                  <a:ext uri="{FF2B5EF4-FFF2-40B4-BE49-F238E27FC236}">
+                    <a16:creationId xmlns:a16="http://schemas.microsoft.com/office/drawing/2014/main" id="{61FD0C21-90C6-43EC-A5D2-AB67FEA2CAD6}"/>
+                  </a:ext>
+                </a:extLst>
+              </p:cNvPr>
+              <p:cNvSpPr txBox="1">
+                <a:spLocks noRot="1" noChangeAspect="1" noMove="1" noResize="1" noEditPoints="1" noAdjustHandles="1" noChangeArrowheads="1" noChangeShapeType="1" noTextEdit="1"/>
+              </p:cNvSpPr>
+              <p:nvPr/>
+            </p:nvSpPr>
+            <p:spPr>
+              <a:xfrm>
+                <a:off x="7467600" y="11074242"/>
+                <a:ext cx="5715000" cy="9501062"/>
+              </a:xfrm>
+              <a:prstGeom prst="rect">
+                <a:avLst/>
+              </a:prstGeom>
+              <a:blipFill>
+                <a:blip r:embed="rId19"/>
+                <a:stretch>
+                  <a:fillRect l="-2132" t="-706"/>
+                </a:stretch>
+              </a:blipFill>
+            </p:spPr>
+            <p:txBody>
+              <a:bodyPr/>
+              <a:lstStyle/>
+              <a:p>
+                <a:r>
+                  <a:rPr lang="en-US">
+                    <a:noFill/>
+                  </a:rPr>
+                  <a:t> </a:t>
+                </a:r>
+              </a:p>
+            </p:txBody>
+          </p:sp>
+        </mc:Fallback>
+      </mc:AlternateContent>
     </p:spTree>
     <p:extLst>
       <p:ext uri="{BB962C8B-B14F-4D97-AF65-F5344CB8AC3E}">

--- a/Deliverables/Poster/CS230_FinalPoster.pptx
+++ b/Deliverables/Poster/CS230_FinalPoster.pptx
@@ -531,7 +531,7 @@
               <a:pPr>
                 <a:defRPr/>
               </a:pPr>
-              <a:t>2018/3/15</a:t>
+              <a:t>2018/3/16</a:t>
             </a:fld>
             <a:endParaRPr lang="zh-TW" altLang="en-US"/>
           </a:p>
@@ -1373,7 +1373,7 @@
               <a:pPr>
                 <a:defRPr/>
               </a:pPr>
-              <a:t>2018/3/15</a:t>
+              <a:t>2018/3/16</a:t>
             </a:fld>
             <a:endParaRPr lang="zh-TW" altLang="en-US"/>
           </a:p>
@@ -1588,7 +1588,7 @@
               <a:pPr>
                 <a:defRPr/>
               </a:pPr>
-              <a:t>2018/3/15</a:t>
+              <a:t>2018/3/16</a:t>
             </a:fld>
             <a:endParaRPr lang="zh-TW" altLang="en-US"/>
           </a:p>
@@ -1813,7 +1813,7 @@
               <a:pPr>
                 <a:defRPr/>
               </a:pPr>
-              <a:t>2018/3/15</a:t>
+              <a:t>2018/3/16</a:t>
             </a:fld>
             <a:endParaRPr lang="zh-TW" altLang="en-US"/>
           </a:p>
@@ -2028,7 +2028,7 @@
               <a:pPr>
                 <a:defRPr/>
               </a:pPr>
-              <a:t>2018/3/15</a:t>
+              <a:t>2018/3/16</a:t>
             </a:fld>
             <a:endParaRPr lang="zh-TW" altLang="en-US"/>
           </a:p>
@@ -2319,7 +2319,7 @@
               <a:pPr>
                 <a:defRPr/>
               </a:pPr>
-              <a:t>2018/3/15</a:t>
+              <a:t>2018/3/16</a:t>
             </a:fld>
             <a:endParaRPr lang="zh-TW" altLang="en-US"/>
           </a:p>
@@ -2652,7 +2652,7 @@
               <a:pPr>
                 <a:defRPr/>
               </a:pPr>
-              <a:t>2018/3/15</a:t>
+              <a:t>2018/3/16</a:t>
             </a:fld>
             <a:endParaRPr lang="zh-TW" altLang="en-US"/>
           </a:p>
@@ -3119,7 +3119,7 @@
               <a:pPr>
                 <a:defRPr/>
               </a:pPr>
-              <a:t>2018/3/15</a:t>
+              <a:t>2018/3/16</a:t>
             </a:fld>
             <a:endParaRPr lang="zh-TW" altLang="en-US"/>
           </a:p>
@@ -3282,7 +3282,7 @@
               <a:pPr>
                 <a:defRPr/>
               </a:pPr>
-              <a:t>2018/3/15</a:t>
+              <a:t>2018/3/16</a:t>
             </a:fld>
             <a:endParaRPr lang="zh-TW" altLang="en-US"/>
           </a:p>
@@ -3422,7 +3422,7 @@
               <a:pPr>
                 <a:defRPr/>
               </a:pPr>
-              <a:t>2018/3/15</a:t>
+              <a:t>2018/3/16</a:t>
             </a:fld>
             <a:endParaRPr lang="zh-TW" altLang="en-US"/>
           </a:p>
@@ -3744,7 +3744,7 @@
               <a:pPr>
                 <a:defRPr/>
               </a:pPr>
-              <a:t>2018/3/15</a:t>
+              <a:t>2018/3/16</a:t>
             </a:fld>
             <a:endParaRPr lang="zh-TW" altLang="en-US"/>
           </a:p>
@@ -4045,7 +4045,7 @@
               <a:pPr>
                 <a:defRPr/>
               </a:pPr>
-              <a:t>2018/3/15</a:t>
+              <a:t>2018/3/16</a:t>
             </a:fld>
             <a:endParaRPr lang="zh-TW" altLang="en-US"/>
           </a:p>
@@ -4369,7 +4369,7 @@
               <a:pPr>
                 <a:defRPr/>
               </a:pPr>
-              <a:t>2018/3/15</a:t>
+              <a:t>2018/3/16</a:t>
             </a:fld>
             <a:endParaRPr lang="zh-TW" altLang="en-US"/>
           </a:p>
@@ -7853,7 +7853,7 @@
         </p:blipFill>
         <p:spPr>
           <a:xfrm>
-            <a:off x="13106400" y="10969690"/>
+            <a:off x="13030200" y="10969690"/>
             <a:ext cx="2970931" cy="10366310"/>
           </a:xfrm>
           <a:prstGeom prst="rect">
@@ -7877,8 +7877,8 @@
             </p:nvSpPr>
             <p:spPr>
               <a:xfrm>
-                <a:off x="7467600" y="11074242"/>
-                <a:ext cx="5715000" cy="9501062"/>
+                <a:off x="7431374" y="10903925"/>
+                <a:ext cx="5715000" cy="10660675"/>
               </a:xfrm>
               <a:prstGeom prst="rect">
                 <a:avLst/>
@@ -7901,7 +7901,7 @@
                 </a:r>
               </a:p>
               <a:p>
-                <a:endParaRPr lang="en-US" sz="2800" b="1" dirty="0"/>
+                <a:endParaRPr lang="en-US" sz="2000" b="1" dirty="0"/>
               </a:p>
               <a:p>
                 <a:pPr marL="457200" indent="-457200">
@@ -7914,7 +7914,7 @@
                 </a:r>
               </a:p>
               <a:p>
-                <a:endParaRPr lang="en-US" sz="2800" dirty="0"/>
+                <a:endParaRPr lang="en-US" sz="2000" dirty="0"/>
               </a:p>
               <a:p>
                 <a:pPr marL="457200" indent="-457200">
@@ -7927,7 +7927,7 @@
                 </a:r>
               </a:p>
               <a:p>
-                <a:endParaRPr lang="en-US" sz="2800" dirty="0"/>
+                <a:endParaRPr lang="en-US" sz="2000" dirty="0"/>
               </a:p>
               <a:p>
                 <a:pPr marL="457200" indent="-457200">
@@ -7940,7 +7940,7 @@
                 </a:r>
               </a:p>
               <a:p>
-                <a:endParaRPr lang="en-US" sz="2800" dirty="0"/>
+                <a:endParaRPr lang="en-US" sz="2000" dirty="0"/>
               </a:p>
               <a:p>
                 <a:pPr marL="457200" indent="-457200">
@@ -7949,7 +7949,7 @@
                 </a:pPr>
                 <a:r>
                   <a:rPr lang="en-US" sz="2800" dirty="0"/>
-                  <a:t>Mini-Batch Size of 32</a:t>
+                  <a:t>Mini-Batch Size of 64</a:t>
                 </a:r>
               </a:p>
               <a:p>
@@ -8027,7 +8027,7 @@
                 <a:endParaRPr lang="en-US" sz="2800" dirty="0"/>
               </a:p>
               <a:p>
-                <a:endParaRPr lang="en-US" sz="2800" dirty="0"/>
+                <a:endParaRPr lang="en-US" sz="2000" dirty="0"/>
               </a:p>
               <a:p>
                 <a:pPr marL="457200" indent="-457200">
@@ -8059,7 +8059,7 @@
                 <a:endParaRPr lang="en-US" sz="2800" dirty="0"/>
               </a:p>
               <a:p>
-                <a:endParaRPr lang="en-US" sz="2800" dirty="0"/>
+                <a:endParaRPr lang="en-US" sz="2000" dirty="0"/>
               </a:p>
               <a:p>
                 <a:pPr marL="457200" indent="-457200">
@@ -8210,21 +8210,14 @@
                         <a:latin typeface="Cambria Math" panose="02040503050406030204" pitchFamily="18" charset="0"/>
                         <a:ea typeface="Cambria Math" panose="02040503050406030204" pitchFamily="18" charset="0"/>
                       </a:rPr>
-                      <m:t>=</m:t>
-                    </m:r>
-                    <m:r>
-                      <a:rPr lang="en-US" sz="2600" i="1">
-                        <a:latin typeface="Cambria Math" panose="02040503050406030204" pitchFamily="18" charset="0"/>
-                        <a:ea typeface="Cambria Math" panose="02040503050406030204" pitchFamily="18" charset="0"/>
-                      </a:rPr>
-                      <m:t>0.00001</m:t>
+                      <m:t>=0.00001</m:t>
                     </m:r>
                   </m:oMath>
                 </a14:m>
                 <a:endParaRPr lang="en-US" sz="2600" dirty="0"/>
               </a:p>
               <a:p>
-                <a:endParaRPr lang="en-US" sz="2800" dirty="0"/>
+                <a:endParaRPr lang="en-US" sz="2000" dirty="0"/>
               </a:p>
               <a:p>
                 <a:pPr marL="342900" indent="-342900">
@@ -8253,6 +8246,193 @@
                 </a14:m>
                 <a:endParaRPr lang="en-US" sz="2800" dirty="0"/>
               </a:p>
+              <a:p>
+                <a:endParaRPr lang="en-US" sz="2000" dirty="0"/>
+              </a:p>
+              <a:p>
+                <a:pPr marL="342900" indent="-342900">
+                  <a:buFont typeface="Arial" panose="020B0604020202020204" pitchFamily="34" charset="0"/>
+                  <a:buChar char="•"/>
+                </a:pPr>
+                <a:r>
+                  <a:rPr lang="en-US" sz="2800" dirty="0"/>
+                  <a:t>Tuned </a:t>
+                </a:r>
+                <a:r>
+                  <a:rPr lang="en-US" sz="2800" dirty="0" err="1"/>
+                  <a:t>hyperparams</a:t>
+                </a:r>
+                <a:r>
+                  <a:rPr lang="en-US" sz="2800" dirty="0"/>
+                  <a:t> in space </a:t>
+                </a:r>
+                <a14:m>
+                  <m:oMath xmlns:m="http://schemas.openxmlformats.org/officeDocument/2006/math">
+                    <m:r>
+                      <a:rPr lang="en-US" sz="2400" b="0" i="1" smtClean="0">
+                        <a:latin typeface="Cambria Math" panose="02040503050406030204" pitchFamily="18" charset="0"/>
+                      </a:rPr>
+                      <m:t>𝑁</m:t>
+                    </m:r>
+                    <m:r>
+                      <a:rPr lang="en-US" sz="2400" b="0" i="1" smtClean="0">
+                        <a:latin typeface="Cambria Math" panose="02040503050406030204" pitchFamily="18" charset="0"/>
+                      </a:rPr>
+                      <m:t>=</m:t>
+                    </m:r>
+                    <m:d>
+                      <m:dPr>
+                        <m:begChr m:val="["/>
+                        <m:endChr m:val="]"/>
+                        <m:ctrlPr>
+                          <a:rPr lang="en-US" sz="2400" b="0" i="1" smtClean="0">
+                            <a:latin typeface="Cambria Math" panose="02040503050406030204" pitchFamily="18" charset="0"/>
+                          </a:rPr>
+                        </m:ctrlPr>
+                      </m:dPr>
+                      <m:e>
+                        <m:r>
+                          <a:rPr lang="en-US" sz="2400" b="0" i="1" smtClean="0">
+                            <a:latin typeface="Cambria Math" panose="02040503050406030204" pitchFamily="18" charset="0"/>
+                          </a:rPr>
+                          <m:t>2,4,7,10</m:t>
+                        </m:r>
+                      </m:e>
+                    </m:d>
+                    <m:r>
+                      <a:rPr lang="en-US" sz="2400" i="1">
+                        <a:latin typeface="Cambria Math" panose="02040503050406030204" pitchFamily="18" charset="0"/>
+                      </a:rPr>
+                      <m:t>, </m:t>
+                    </m:r>
+                    <m:r>
+                      <a:rPr lang="en-US" sz="2400" b="0" i="1" smtClean="0">
+                        <a:latin typeface="Cambria Math" panose="02040503050406030204" pitchFamily="18" charset="0"/>
+                      </a:rPr>
+                      <m:t> </m:t>
+                    </m:r>
+                    <m:r>
+                      <a:rPr lang="en-US" sz="2400" i="1">
+                        <a:latin typeface="Cambria Math" panose="02040503050406030204" pitchFamily="18" charset="0"/>
+                        <a:ea typeface="Cambria Math" panose="02040503050406030204" pitchFamily="18" charset="0"/>
+                      </a:rPr>
+                      <m:t>𝜆</m:t>
+                    </m:r>
+                    <m:r>
+                      <a:rPr lang="en-US" sz="2400" i="1">
+                        <a:latin typeface="Cambria Math" panose="02040503050406030204" pitchFamily="18" charset="0"/>
+                        <a:ea typeface="Cambria Math" panose="02040503050406030204" pitchFamily="18" charset="0"/>
+                      </a:rPr>
+                      <m:t>=</m:t>
+                    </m:r>
+                    <m:d>
+                      <m:dPr>
+                        <m:begChr m:val="["/>
+                        <m:endChr m:val="]"/>
+                        <m:ctrlPr>
+                          <a:rPr lang="en-US" sz="2400" i="1">
+                            <a:latin typeface="Cambria Math" panose="02040503050406030204" pitchFamily="18" charset="0"/>
+                            <a:ea typeface="Cambria Math" panose="02040503050406030204" pitchFamily="18" charset="0"/>
+                          </a:rPr>
+                        </m:ctrlPr>
+                      </m:dPr>
+                      <m:e>
+                        <m:r>
+                          <a:rPr lang="en-US" sz="2400" i="1">
+                            <a:latin typeface="Cambria Math" panose="02040503050406030204" pitchFamily="18" charset="0"/>
+                            <a:ea typeface="Cambria Math" panose="02040503050406030204" pitchFamily="18" charset="0"/>
+                          </a:rPr>
+                          <m:t>0,.1,.3,.5,.7,1</m:t>
+                        </m:r>
+                      </m:e>
+                    </m:d>
+                    <m:r>
+                      <a:rPr lang="en-US" sz="2400" b="0" i="1" smtClean="0">
+                        <a:latin typeface="Cambria Math" panose="02040503050406030204" pitchFamily="18" charset="0"/>
+                        <a:ea typeface="Cambria Math" panose="02040503050406030204" pitchFamily="18" charset="0"/>
+                      </a:rPr>
+                      <m:t>,  </m:t>
+                    </m:r>
+                    <m:r>
+                      <a:rPr lang="en-US" sz="2400" i="1">
+                        <a:latin typeface="Cambria Math" panose="02040503050406030204" pitchFamily="18" charset="0"/>
+                      </a:rPr>
+                      <m:t>𝐿</m:t>
+                    </m:r>
+                    <m:r>
+                      <a:rPr lang="en-US" sz="2400" i="1">
+                        <a:latin typeface="Cambria Math" panose="02040503050406030204" pitchFamily="18" charset="0"/>
+                      </a:rPr>
+                      <m:t>=</m:t>
+                    </m:r>
+                    <m:d>
+                      <m:dPr>
+                        <m:begChr m:val="["/>
+                        <m:endChr m:val="]"/>
+                        <m:ctrlPr>
+                          <a:rPr lang="en-US" sz="2400" i="1">
+                            <a:latin typeface="Cambria Math" panose="02040503050406030204" pitchFamily="18" charset="0"/>
+                          </a:rPr>
+                        </m:ctrlPr>
+                      </m:dPr>
+                      <m:e>
+                        <m:r>
+                          <a:rPr lang="en-US" sz="2400" i="1">
+                            <a:latin typeface="Cambria Math" panose="02040503050406030204" pitchFamily="18" charset="0"/>
+                          </a:rPr>
+                          <m:t>10,100,390,500,1000</m:t>
+                        </m:r>
+                      </m:e>
+                    </m:d>
+                  </m:oMath>
+                </a14:m>
+                <a:r>
+                  <a:rPr lang="en-US" sz="2800" dirty="0"/>
+                  <a:t>, </a:t>
+                </a:r>
+                <a14:m>
+                  <m:oMath xmlns:m="http://schemas.openxmlformats.org/officeDocument/2006/math">
+                    <m:r>
+                      <a:rPr lang="en-US" sz="2400" i="1">
+                        <a:latin typeface="Cambria Math" panose="02040503050406030204" pitchFamily="18" charset="0"/>
+                      </a:rPr>
+                      <m:t>𝐵𝑎𝑡𝑐h𝑠𝑖𝑧𝑒</m:t>
+                    </m:r>
+                    <m:r>
+                      <a:rPr lang="en-US" sz="2400" i="1">
+                        <a:latin typeface="Cambria Math" panose="02040503050406030204" pitchFamily="18" charset="0"/>
+                      </a:rPr>
+                      <m:t>=</m:t>
+                    </m:r>
+                    <m:d>
+                      <m:dPr>
+                        <m:begChr m:val="["/>
+                        <m:endChr m:val="]"/>
+                        <m:ctrlPr>
+                          <a:rPr lang="en-US" sz="2400" i="1">
+                            <a:latin typeface="Cambria Math" panose="02040503050406030204" pitchFamily="18" charset="0"/>
+                          </a:rPr>
+                        </m:ctrlPr>
+                      </m:dPr>
+                      <m:e>
+                        <m:r>
+                          <a:rPr lang="en-US" sz="2400" i="1">
+                            <a:latin typeface="Cambria Math" panose="02040503050406030204" pitchFamily="18" charset="0"/>
+                          </a:rPr>
+                          <m:t>16,32,64,256</m:t>
+                        </m:r>
+                      </m:e>
+                    </m:d>
+                    <m:r>
+                      <a:rPr lang="en-US" sz="2400" i="1">
+                        <a:latin typeface="Cambria Math" panose="02040503050406030204" pitchFamily="18" charset="0"/>
+                      </a:rPr>
+                      <m:t> </m:t>
+                    </m:r>
+                  </m:oMath>
+                </a14:m>
+                <a:endParaRPr lang="en-US" sz="2800" dirty="0"/>
+              </a:p>
             </p:txBody>
           </p:sp>
         </mc:Choice>
@@ -8273,8 +8453,8 @@
             </p:nvSpPr>
             <p:spPr>
               <a:xfrm>
-                <a:off x="7467600" y="11074242"/>
-                <a:ext cx="5715000" cy="9501062"/>
+                <a:off x="7431374" y="10903925"/>
+                <a:ext cx="5715000" cy="10660675"/>
               </a:xfrm>
               <a:prstGeom prst="rect">
                 <a:avLst/>
@@ -8282,7 +8462,7 @@
               <a:blipFill>
                 <a:blip r:embed="rId19"/>
                 <a:stretch>
-                  <a:fillRect l="-2132" t="-706"/>
+                  <a:fillRect l="-2132" t="-629"/>
                 </a:stretch>
               </a:blipFill>
             </p:spPr>

--- a/Deliverables/Poster/CS230_FinalPoster.pptx
+++ b/Deliverables/Poster/CS230_FinalPoster.pptx
@@ -7861,8 +7861,8 @@
           </a:prstGeom>
         </p:spPr>
       </p:pic>
-      <mc:AlternateContent xmlns:mc="http://schemas.openxmlformats.org/markup-compatibility/2006">
-        <mc:Choice xmlns:a14="http://schemas.microsoft.com/office/drawing/2010/main" Requires="a14">
+      <mc:AlternateContent xmlns:mc="http://schemas.openxmlformats.org/markup-compatibility/2006" xmlns:a14="http://schemas.microsoft.com/office/drawing/2010/main">
+        <mc:Choice Requires="a14">
           <p:sp>
             <p:nvSpPr>
               <p:cNvPr id="59" name="TextBox 58">
@@ -8436,7 +8436,7 @@
             </p:txBody>
           </p:sp>
         </mc:Choice>
-        <mc:Fallback>
+        <mc:Fallback xmlns="">
           <p:sp>
             <p:nvSpPr>
               <p:cNvPr id="59" name="TextBox 58">
@@ -8481,6 +8481,262 @@
           </p:sp>
         </mc:Fallback>
       </mc:AlternateContent>
+      <mc:AlternateContent xmlns:mc="http://schemas.openxmlformats.org/markup-compatibility/2006">
+        <mc:Choice xmlns:a14="http://schemas.microsoft.com/office/drawing/2010/main" Requires="a14">
+          <p:sp>
+            <p:nvSpPr>
+              <p:cNvPr id="60" name="TextBox 59">
+                <a:extLst>
+                  <a:ext uri="{FF2B5EF4-FFF2-40B4-BE49-F238E27FC236}">
+                    <a16:creationId xmlns:a16="http://schemas.microsoft.com/office/drawing/2014/main" id="{E22E0ECA-FFEF-4B51-9B38-9D92BD34A85E}"/>
+                  </a:ext>
+                </a:extLst>
+              </p:cNvPr>
+              <p:cNvSpPr txBox="1"/>
+              <p:nvPr/>
+            </p:nvSpPr>
+            <p:spPr>
+              <a:xfrm>
+                <a:off x="16910126" y="11048180"/>
+                <a:ext cx="8449424" cy="2308324"/>
+              </a:xfrm>
+              <a:prstGeom prst="rect">
+                <a:avLst/>
+              </a:prstGeom>
+              <a:noFill/>
+            </p:spPr>
+            <p:txBody>
+              <a:bodyPr wrap="square" rtlCol="0">
+                <a:spAutoFit/>
+              </a:bodyPr>
+              <a:lstStyle/>
+              <a:p>
+                <a:r>
+                  <a:rPr lang="en-US" sz="2800" b="1" u="sng" dirty="0"/>
+                  <a:t>Accuracy on Dataset</a:t>
+                </a:r>
+                <a:r>
+                  <a:rPr lang="en-US" sz="2800" b="1" dirty="0"/>
+                  <a:t>:</a:t>
+                </a:r>
+              </a:p>
+              <a:p>
+                <a:endParaRPr lang="en-US" sz="2000" b="1" dirty="0"/>
+              </a:p>
+              <a:p>
+                <a:pPr algn="ctr"/>
+                <a14:m>
+                  <m:oMathPara xmlns:m="http://schemas.openxmlformats.org/officeDocument/2006/math">
+                    <m:oMathParaPr>
+                      <m:jc m:val="left"/>
+                    </m:oMathParaPr>
+                    <m:oMath xmlns:m="http://schemas.openxmlformats.org/officeDocument/2006/math">
+                      <m:r>
+                        <a:rPr lang="en-US" sz="2800" i="1"/>
+                        <m:t>𝐷𝑒𝑣</m:t>
+                      </m:r>
+                      <m:r>
+                        <a:rPr lang="en-US" sz="2800" i="1"/>
+                        <m:t> </m:t>
+                      </m:r>
+                      <m:r>
+                        <a:rPr lang="en-US" sz="2800" i="1"/>
+                        <m:t>𝐴𝑐𝑐𝑢𝑟𝑎𝑐𝑦</m:t>
+                      </m:r>
+                      <m:r>
+                        <a:rPr lang="en-US" sz="2800" i="1"/>
+                        <m:t> =98.64%</m:t>
+                      </m:r>
+                    </m:oMath>
+                  </m:oMathPara>
+                </a14:m>
+                <a:endParaRPr lang="en-US" sz="2800" dirty="0"/>
+              </a:p>
+              <a:p>
+                <a:pPr algn="ctr"/>
+                <a:endParaRPr lang="en-US" sz="1200" dirty="0"/>
+              </a:p>
+              <a:p>
+                <a:pPr algn="ctr"/>
+                <a14:m>
+                  <m:oMathPara xmlns:m="http://schemas.openxmlformats.org/officeDocument/2006/math">
+                    <m:oMathParaPr>
+                      <m:jc m:val="left"/>
+                    </m:oMathParaPr>
+                    <m:oMath xmlns:m="http://schemas.openxmlformats.org/officeDocument/2006/math">
+                      <m:r>
+                        <a:rPr lang="en-US" sz="2800" i="1"/>
+                        <m:t>𝑇𝑒𝑠𝑡</m:t>
+                      </m:r>
+                      <m:r>
+                        <a:rPr lang="en-US" sz="2800" i="1"/>
+                        <m:t> </m:t>
+                      </m:r>
+                      <m:r>
+                        <a:rPr lang="en-US" sz="2800" i="1"/>
+                        <m:t>𝐴𝑐𝑐𝑢𝑟𝑎𝑐𝑦</m:t>
+                      </m:r>
+                      <m:r>
+                        <a:rPr lang="en-US" sz="2800" i="1"/>
+                        <m:t>=98.69%</m:t>
+                      </m:r>
+                    </m:oMath>
+                  </m:oMathPara>
+                </a14:m>
+                <a:endParaRPr lang="en-US" sz="2800" dirty="0"/>
+              </a:p>
+              <a:p>
+                <a:endParaRPr lang="en-US" sz="2800" dirty="0"/>
+              </a:p>
+            </p:txBody>
+          </p:sp>
+        </mc:Choice>
+        <mc:Fallback>
+          <p:sp>
+            <p:nvSpPr>
+              <p:cNvPr id="60" name="TextBox 59">
+                <a:extLst>
+                  <a:ext uri="{FF2B5EF4-FFF2-40B4-BE49-F238E27FC236}">
+                    <a16:creationId xmlns:a16="http://schemas.microsoft.com/office/drawing/2014/main" id="{E22E0ECA-FFEF-4B51-9B38-9D92BD34A85E}"/>
+                  </a:ext>
+                </a:extLst>
+              </p:cNvPr>
+              <p:cNvSpPr txBox="1">
+                <a:spLocks noRot="1" noChangeAspect="1" noMove="1" noResize="1" noEditPoints="1" noAdjustHandles="1" noChangeArrowheads="1" noChangeShapeType="1" noTextEdit="1"/>
+              </p:cNvSpPr>
+              <p:nvPr/>
+            </p:nvSpPr>
+            <p:spPr>
+              <a:xfrm>
+                <a:off x="16910126" y="11048180"/>
+                <a:ext cx="8449424" cy="2308324"/>
+              </a:xfrm>
+              <a:prstGeom prst="rect">
+                <a:avLst/>
+              </a:prstGeom>
+              <a:blipFill>
+                <a:blip r:embed="rId20"/>
+                <a:stretch>
+                  <a:fillRect l="-1515" t="-2639"/>
+                </a:stretch>
+              </a:blipFill>
+            </p:spPr>
+            <p:txBody>
+              <a:bodyPr/>
+              <a:lstStyle/>
+              <a:p>
+                <a:r>
+                  <a:rPr lang="en-US">
+                    <a:noFill/>
+                  </a:rPr>
+                  <a:t> </a:t>
+                </a:r>
+              </a:p>
+            </p:txBody>
+          </p:sp>
+        </mc:Fallback>
+      </mc:AlternateContent>
+      <p:pic>
+        <p:nvPicPr>
+          <p:cNvPr id="63" name="Picture 62">
+            <a:extLst>
+              <a:ext uri="{FF2B5EF4-FFF2-40B4-BE49-F238E27FC236}">
+                <a16:creationId xmlns:a16="http://schemas.microsoft.com/office/drawing/2014/main" id="{942DE648-56FD-4FDD-A12C-31320035D19B}"/>
+              </a:ext>
+            </a:extLst>
+          </p:cNvPr>
+          <p:cNvPicPr>
+            <a:picLocks noChangeAspect="1"/>
+          </p:cNvPicPr>
+          <p:nvPr/>
+        </p:nvPicPr>
+        <p:blipFill>
+          <a:blip r:embed="rId21">
+            <a:clrChange>
+              <a:clrFrom>
+                <a:srgbClr val="FFFFFF"/>
+              </a:clrFrom>
+              <a:clrTo>
+                <a:srgbClr val="FFFFFF">
+                  <a:alpha val="0"/>
+                </a:srgbClr>
+              </a:clrTo>
+            </a:clrChange>
+          </a:blip>
+          <a:stretch>
+            <a:fillRect/>
+          </a:stretch>
+        </p:blipFill>
+        <p:spPr>
+          <a:xfrm>
+            <a:off x="21015684" y="11049019"/>
+            <a:ext cx="4358916" cy="3047981"/>
+          </a:xfrm>
+          <a:prstGeom prst="rect">
+            <a:avLst/>
+          </a:prstGeom>
+        </p:spPr>
+      </p:pic>
+      <p:pic>
+        <p:nvPicPr>
+          <p:cNvPr id="19" name="Picture 18">
+            <a:extLst>
+              <a:ext uri="{FF2B5EF4-FFF2-40B4-BE49-F238E27FC236}">
+                <a16:creationId xmlns:a16="http://schemas.microsoft.com/office/drawing/2014/main" id="{CFCCDD00-DA43-43BD-AD18-910C7AFAA36F}"/>
+              </a:ext>
+            </a:extLst>
+          </p:cNvPr>
+          <p:cNvPicPr>
+            <a:picLocks noChangeAspect="1"/>
+          </p:cNvPicPr>
+          <p:nvPr/>
+        </p:nvPicPr>
+        <p:blipFill>
+          <a:blip r:embed="rId22"/>
+          <a:stretch>
+            <a:fillRect/>
+          </a:stretch>
+        </p:blipFill>
+        <p:spPr>
+          <a:xfrm>
+            <a:off x="17302889" y="13954177"/>
+            <a:ext cx="7729200" cy="3654789"/>
+          </a:xfrm>
+          <a:prstGeom prst="rect">
+            <a:avLst/>
+          </a:prstGeom>
+        </p:spPr>
+      </p:pic>
+      <p:pic>
+        <p:nvPicPr>
+          <p:cNvPr id="21" name="Picture 20">
+            <a:extLst>
+              <a:ext uri="{FF2B5EF4-FFF2-40B4-BE49-F238E27FC236}">
+                <a16:creationId xmlns:a16="http://schemas.microsoft.com/office/drawing/2014/main" id="{B16E99BB-9992-4E91-88FE-BD971D3A3934}"/>
+              </a:ext>
+            </a:extLst>
+          </p:cNvPr>
+          <p:cNvPicPr>
+            <a:picLocks noChangeAspect="1"/>
+          </p:cNvPicPr>
+          <p:nvPr/>
+        </p:nvPicPr>
+        <p:blipFill>
+          <a:blip r:embed="rId23"/>
+          <a:stretch>
+            <a:fillRect/>
+          </a:stretch>
+        </p:blipFill>
+        <p:spPr>
+          <a:xfrm>
+            <a:off x="16824684" y="17724863"/>
+            <a:ext cx="8725685" cy="3779403"/>
+          </a:xfrm>
+          <a:prstGeom prst="rect">
+            <a:avLst/>
+          </a:prstGeom>
+        </p:spPr>
+      </p:pic>
     </p:spTree>
     <p:extLst>
       <p:ext uri="{BB962C8B-B14F-4D97-AF65-F5344CB8AC3E}">
